--- a/OS/sp17/lectures/OSsp17_lec4_IPC_pt2.pptx
+++ b/OS/sp17/lectures/OSsp17_lec4_IPC_pt2.pptx
@@ -5,10 +5,10 @@
     <p:sldMasterId id="2147483792" r:id="rId1"/>
   </p:sldMasterIdLst>
   <p:notesMasterIdLst>
-    <p:notesMasterId r:id="rId34"/>
+    <p:notesMasterId r:id="rId35"/>
   </p:notesMasterIdLst>
   <p:handoutMasterIdLst>
-    <p:handoutMasterId r:id="rId35"/>
+    <p:handoutMasterId r:id="rId36"/>
   </p:handoutMasterIdLst>
   <p:sldIdLst>
     <p:sldId id="256" r:id="rId2"/>
@@ -43,6 +43,7 @@
     <p:sldId id="451" r:id="rId31"/>
     <p:sldId id="452" r:id="rId32"/>
     <p:sldId id="385" r:id="rId33"/>
+    <p:sldId id="460" r:id="rId34"/>
   </p:sldIdLst>
   <p:sldSz cx="9144000" cy="6858000" type="screen4x3"/>
   <p:notesSz cx="9144000" cy="6858000"/>
@@ -3812,7 +3813,7 @@
           <a:p>
             <a:fld id="{A2338F1A-6203-0E4B-A869-F10135DDAA01}" type="datetime1">
               <a:rPr lang="en-US" smtClean="0"/>
-              <a:t>1/29/17</a:t>
+              <a:t>2/9/17</a:t>
             </a:fld>
             <a:endParaRPr lang="en-US"/>
           </a:p>
@@ -4009,7 +4010,7 @@
           <a:p>
             <a:fld id="{38119CBA-384B-F94A-91FF-AEA53B832530}" type="datetime1">
               <a:rPr lang="en-US" smtClean="0"/>
-              <a:t>1/29/17</a:t>
+              <a:t>2/9/17</a:t>
             </a:fld>
             <a:endParaRPr lang="en-US"/>
           </a:p>
@@ -4215,7 +4216,7 @@
           <a:p>
             <a:fld id="{EAF91FA4-9AD9-604E-A5FF-236800C449E2}" type="datetime1">
               <a:rPr lang="en-US" smtClean="0"/>
-              <a:t>1/29/17</a:t>
+              <a:t>2/9/17</a:t>
             </a:fld>
             <a:endParaRPr lang="en-US"/>
           </a:p>
@@ -4478,7 +4479,7 @@
           <a:p>
             <a:fld id="{598F2C3F-FDAE-DB43-8014-D27A83B97029}" type="datetime1">
               <a:rPr lang="en-US" smtClean="0"/>
-              <a:t>1/29/17</a:t>
+              <a:t>2/9/17</a:t>
             </a:fld>
             <a:endParaRPr lang="en-US"/>
           </a:p>
@@ -4741,7 +4742,7 @@
           <a:p>
             <a:fld id="{A9222253-81DA-6648-A16A-B2FE66781016}" type="datetime1">
               <a:rPr lang="en-US" smtClean="0"/>
-              <a:t>1/29/17</a:t>
+              <a:t>2/9/17</a:t>
             </a:fld>
             <a:endParaRPr lang="en-US"/>
           </a:p>
@@ -4937,7 +4938,7 @@
           <a:p>
             <a:fld id="{EE8C4D8B-1A19-8547-A064-D79EDDB2FF0D}" type="datetime1">
               <a:rPr lang="en-US" smtClean="0"/>
-              <a:t>1/29/17</a:t>
+              <a:t>2/9/17</a:t>
             </a:fld>
             <a:endParaRPr lang="en-US"/>
           </a:p>
@@ -5155,7 +5156,7 @@
           <a:p>
             <a:fld id="{3F48A5D9-04EC-1848-AFE8-61CE9645BD10}" type="datetime1">
               <a:rPr lang="en-US" smtClean="0"/>
-              <a:t>1/29/17</a:t>
+              <a:t>2/9/17</a:t>
             </a:fld>
             <a:endParaRPr lang="en-US"/>
           </a:p>
@@ -5469,7 +5470,7 @@
           <a:p>
             <a:fld id="{B50B31F5-B10B-344B-BB09-CD8A480B1A65}" type="datetime1">
               <a:rPr lang="en-US" smtClean="0"/>
-              <a:t>1/29/17</a:t>
+              <a:t>2/9/17</a:t>
             </a:fld>
             <a:endParaRPr lang="en-US"/>
           </a:p>
@@ -5922,7 +5923,7 @@
           <a:p>
             <a:fld id="{C61547F4-A8C4-DF41-9827-E6EF2DCCC49E}" type="datetime1">
               <a:rPr lang="en-US" smtClean="0"/>
-              <a:t>1/29/17</a:t>
+              <a:t>2/9/17</a:t>
             </a:fld>
             <a:endParaRPr lang="en-US"/>
           </a:p>
@@ -6066,7 +6067,7 @@
           <a:p>
             <a:fld id="{36C7CE78-9398-1040-B264-DCBFFF00485E}" type="datetime1">
               <a:rPr lang="en-US" smtClean="0"/>
-              <a:t>1/29/17</a:t>
+              <a:t>2/9/17</a:t>
             </a:fld>
             <a:endParaRPr lang="en-US"/>
           </a:p>
@@ -6187,7 +6188,7 @@
           <a:p>
             <a:fld id="{EF199506-32E1-7547-8AF6-113D58084626}" type="datetime1">
               <a:rPr lang="en-US" smtClean="0"/>
-              <a:t>1/29/17</a:t>
+              <a:t>2/9/17</a:t>
             </a:fld>
             <a:endParaRPr lang="en-US"/>
           </a:p>
@@ -6490,7 +6491,7 @@
           <a:p>
             <a:fld id="{834157E9-77DA-0E47-8968-A0B9ABFF5234}" type="datetime1">
               <a:rPr lang="en-US" smtClean="0"/>
-              <a:t>1/29/17</a:t>
+              <a:t>2/9/17</a:t>
             </a:fld>
             <a:endParaRPr lang="en-US"/>
           </a:p>
@@ -6770,7 +6771,7 @@
           <a:p>
             <a:fld id="{DCA95A4A-B64D-C447-97E8-5F466793BC7C}" type="datetime1">
               <a:rPr lang="en-US" smtClean="0"/>
-              <a:t>1/29/17</a:t>
+              <a:t>2/9/17</a:t>
             </a:fld>
             <a:endParaRPr lang="en-US"/>
           </a:p>
@@ -7069,7 +7070,7 @@
           <a:p>
             <a:fld id="{9560E8FF-AB52-CF4F-A8C5-1FA6211BF899}" type="datetime1">
               <a:rPr lang="en-US" smtClean="0"/>
-              <a:t>1/29/17</a:t>
+              <a:t>2/9/17</a:t>
             </a:fld>
             <a:endParaRPr lang="en-US"/>
           </a:p>
@@ -7957,13 +7958,7 @@
               <a:rPr lang="en-US" dirty="0" smtClean="0">
                 <a:latin typeface="Arial" charset="0"/>
               </a:rPr>
-              <a:t>More on inter</a:t>
-            </a:r>
-            <a:r>
-              <a:rPr lang="en-US" dirty="0" smtClean="0">
-                <a:latin typeface="Arial" charset="0"/>
-              </a:rPr>
-              <a:t>-process communication</a:t>
+              <a:t>More on inter-process communication</a:t>
             </a:r>
             <a:endParaRPr lang="en-US" dirty="0">
               <a:latin typeface="Arial" charset="0"/>
@@ -8286,7 +8281,7 @@
           <a:p>
             <a:fld id="{0EC84F2B-66F8-454A-A682-7117A80AA467}" type="datetime1">
               <a:rPr lang="en-US" smtClean="0"/>
-              <a:t>1/30/17</a:t>
+              <a:t>2/9/17</a:t>
             </a:fld>
             <a:endParaRPr lang="en-US"/>
           </a:p>
@@ -8579,7 +8574,7 @@
           <a:p>
             <a:fld id="{0EC84F2B-66F8-454A-A682-7117A80AA467}" type="datetime1">
               <a:rPr lang="en-US" smtClean="0"/>
-              <a:t>1/30/17</a:t>
+              <a:t>2/9/17</a:t>
             </a:fld>
             <a:endParaRPr lang="en-US"/>
           </a:p>
@@ -8829,7 +8824,7 @@
           <a:p>
             <a:fld id="{3FB9CECD-2870-5541-9D40-243E11690209}" type="datetime1">
               <a:rPr lang="en-US" smtClean="0"/>
-              <a:t>1/30/17</a:t>
+              <a:t>2/9/17</a:t>
             </a:fld>
             <a:endParaRPr lang="en-US"/>
           </a:p>
@@ -9096,10 +9091,6 @@
               </a:rPr>
               <a:t>Potentially faster on multi-core—no cache coherence issue</a:t>
             </a:r>
-            <a:endParaRPr lang="en-US" dirty="0" smtClean="0">
-              <a:latin typeface="Helvetica" charset="0"/>
-              <a:ea typeface="MS PGothic" charset="0"/>
-            </a:endParaRPr>
           </a:p>
           <a:p>
             <a:pPr>
@@ -9321,7 +9312,7 @@
           <a:p>
             <a:fld id="{9615BEC5-CC38-514B-8AC0-E340B8A7B10E}" type="datetime1">
               <a:rPr lang="en-US" smtClean="0"/>
-              <a:t>1/29/17</a:t>
+              <a:t>2/9/17</a:t>
             </a:fld>
             <a:endParaRPr lang="en-US"/>
           </a:p>
@@ -9464,19 +9455,8 @@
                 <a:ea typeface="ＭＳ Ｐゴシック" charset="0"/>
                 <a:cs typeface="ＭＳ Ｐゴシック" charset="-128"/>
               </a:rPr>
-              <a:t>Producer-consumer becomes </a:t>
-            </a:r>
-            <a:r>
-              <a:rPr lang="en-US" dirty="0" smtClean="0">
-                <a:ea typeface="ＭＳ Ｐゴシック" charset="0"/>
-                <a:cs typeface="ＭＳ Ｐゴシック" charset="-128"/>
-              </a:rPr>
-              <a:t>trivial</a:t>
-            </a:r>
-            <a:endParaRPr lang="en-US" dirty="0" smtClean="0">
-              <a:ea typeface="ＭＳ Ｐゴシック" charset="0"/>
-              <a:cs typeface="ＭＳ Ｐゴシック" charset="-128"/>
-            </a:endParaRPr>
+              <a:t>Producer-consumer becomes trivial</a:t>
+            </a:r>
           </a:p>
           <a:p>
             <a:pPr marL="0" indent="0">
@@ -9902,7 +9882,7 @@
           <a:p>
             <a:fld id="{FCA94696-6516-A946-9422-8C054894566A}" type="datetime1">
               <a:rPr lang="en-US" smtClean="0"/>
-              <a:t>1/30/17</a:t>
+              <a:t>2/9/17</a:t>
             </a:fld>
             <a:endParaRPr lang="en-US"/>
           </a:p>
@@ -10221,7 +10201,7 @@
           <a:p>
             <a:fld id="{C17C06FB-C473-384E-9784-31F36CD33E33}" type="datetime1">
               <a:rPr lang="en-US" smtClean="0"/>
-              <a:t>1/29/17</a:t>
+              <a:t>2/9/17</a:t>
             </a:fld>
             <a:endParaRPr lang="en-US"/>
           </a:p>
@@ -10455,7 +10435,7 @@
           <a:p>
             <a:fld id="{B5C0916F-6444-5046-8B5B-D6F943940A3A}" type="datetime1">
               <a:rPr lang="en-US" smtClean="0"/>
-              <a:t>1/29/17</a:t>
+              <a:t>2/9/17</a:t>
             </a:fld>
             <a:endParaRPr lang="en-US"/>
           </a:p>
@@ -10798,7 +10778,7 @@
           <a:p>
             <a:fld id="{69733A76-B93A-1648-ACF3-3B96BD2F428B}" type="datetime1">
               <a:rPr lang="en-US" smtClean="0"/>
-              <a:t>1/29/17</a:t>
+              <a:t>2/9/17</a:t>
             </a:fld>
             <a:endParaRPr lang="en-US"/>
           </a:p>
@@ -11088,7 +11068,7 @@
           <a:p>
             <a:fld id="{F6A26194-1126-DD45-8954-D6EF46D2F000}" type="datetime1">
               <a:rPr lang="en-US" smtClean="0"/>
-              <a:t>1/29/17</a:t>
+              <a:t>2/9/17</a:t>
             </a:fld>
             <a:endParaRPr lang="en-US"/>
           </a:p>
@@ -11486,7 +11466,7 @@
           <a:p>
             <a:fld id="{F6A26194-1126-DD45-8954-D6EF46D2F000}" type="datetime1">
               <a:rPr lang="en-US" smtClean="0"/>
-              <a:t>1/30/17</a:t>
+              <a:t>2/9/17</a:t>
             </a:fld>
             <a:endParaRPr lang="en-US"/>
           </a:p>
@@ -11638,17 +11618,12 @@
               <a:rPr lang="en-US" dirty="0" smtClean="0"/>
               <a:t>Will post directions on how to access machines directly</a:t>
             </a:r>
-            <a:endParaRPr lang="en-US" dirty="0" smtClean="0"/>
           </a:p>
           <a:p>
             <a:pPr lvl="1"/>
             <a:r>
               <a:rPr lang="en-US" dirty="0" smtClean="0"/>
-              <a:t>Poll </a:t>
-            </a:r>
-            <a:r>
-              <a:rPr lang="en-US" dirty="0" smtClean="0"/>
-              <a:t>coming to schedule midterm (on or near W 3/8)</a:t>
+              <a:t>Poll coming to schedule midterm (on or near W 3/8)</a:t>
             </a:r>
           </a:p>
           <a:p>
@@ -11683,17 +11658,12 @@
               <a:rPr lang="en-US" dirty="0" smtClean="0"/>
               <a:t>Inter-process communication basics</a:t>
             </a:r>
-            <a:endParaRPr lang="en-US" dirty="0" smtClean="0"/>
           </a:p>
           <a:p>
             <a:pPr lvl="1"/>
             <a:r>
               <a:rPr lang="en-US" dirty="0" smtClean="0"/>
-              <a:t>More details on inter</a:t>
-            </a:r>
-            <a:r>
-              <a:rPr lang="en-US" dirty="0" smtClean="0"/>
-              <a:t>-process communication</a:t>
+              <a:t>More details on inter-process communication</a:t>
             </a:r>
             <a:endParaRPr lang="en-US" dirty="0"/>
           </a:p>
@@ -11834,7 +11804,7 @@
                 <a:latin typeface="Garamond"/>
                 <a:cs typeface="Garamond"/>
               </a:rPr>
-              <a:t>1/29/17</a:t>
+              <a:t>2/9/17</a:t>
             </a:fld>
             <a:endParaRPr lang="en-US" dirty="0">
               <a:latin typeface="Garamond"/>
@@ -12272,7 +12242,7 @@
           <a:p>
             <a:fld id="{C33B29ED-90E4-4E4D-A062-BBB37974E525}" type="datetime1">
               <a:rPr lang="en-US" smtClean="0"/>
-              <a:t>1/29/17</a:t>
+              <a:t>2/9/17</a:t>
             </a:fld>
             <a:endParaRPr lang="en-US"/>
           </a:p>
@@ -12457,7 +12427,7 @@
           <a:p>
             <a:fld id="{513F9A51-CF54-8F4B-A8E1-D10961ABF6E4}" type="datetime1">
               <a:rPr lang="en-US" smtClean="0"/>
-              <a:t>1/29/17</a:t>
+              <a:t>2/9/17</a:t>
             </a:fld>
             <a:endParaRPr lang="en-US"/>
           </a:p>
@@ -12636,7 +12606,7 @@
           <a:p>
             <a:fld id="{3D2A5321-4B87-3046-9B58-B079147816FB}" type="datetime1">
               <a:rPr lang="en-US" smtClean="0"/>
-              <a:t>1/29/17</a:t>
+              <a:t>2/9/17</a:t>
             </a:fld>
             <a:endParaRPr lang="en-US"/>
           </a:p>
@@ -12966,7 +12936,7 @@
           <a:p>
             <a:fld id="{7D01DC3A-B6E8-504B-9757-AF478A1B5279}" type="datetime1">
               <a:rPr lang="en-US" smtClean="0"/>
-              <a:t>1/29/17</a:t>
+              <a:t>2/9/17</a:t>
             </a:fld>
             <a:endParaRPr lang="en-US"/>
           </a:p>
@@ -13150,7 +13120,7 @@
           <a:p>
             <a:fld id="{80875D2F-D80F-F341-BDEC-C80959E4C0BE}" type="datetime1">
               <a:rPr lang="en-US" smtClean="0"/>
-              <a:t>1/29/17</a:t>
+              <a:t>2/9/17</a:t>
             </a:fld>
             <a:endParaRPr lang="en-US"/>
           </a:p>
@@ -13507,7 +13477,7 @@
           <a:p>
             <a:fld id="{DBAA88B0-EC58-764E-814B-40DEDB138060}" type="datetime1">
               <a:rPr lang="en-US" smtClean="0"/>
-              <a:t>1/29/17</a:t>
+              <a:t>2/9/17</a:t>
             </a:fld>
             <a:endParaRPr lang="en-US"/>
           </a:p>
@@ -13783,7 +13753,7 @@
           <a:p>
             <a:fld id="{BF2E92E1-63DC-A243-9E33-B6D15E069CC4}" type="datetime1">
               <a:rPr lang="en-US" smtClean="0"/>
-              <a:t>1/29/17</a:t>
+              <a:t>2/9/17</a:t>
             </a:fld>
             <a:endParaRPr lang="en-US"/>
           </a:p>
@@ -14075,7 +14045,7 @@
           <a:p>
             <a:fld id="{6EB0A53A-5F60-944C-842E-28EE21175F94}" type="datetime1">
               <a:rPr lang="en-US" smtClean="0"/>
-              <a:t>1/29/17</a:t>
+              <a:t>2/9/17</a:t>
             </a:fld>
             <a:endParaRPr lang="en-US"/>
           </a:p>
@@ -14257,7 +14227,7 @@
           <a:p>
             <a:fld id="{6FCE0DD7-2921-6A4C-A748-FB67133EB13D}" type="datetime1">
               <a:rPr lang="en-US" smtClean="0"/>
-              <a:t>1/29/17</a:t>
+              <a:t>2/9/17</a:t>
             </a:fld>
             <a:endParaRPr lang="en-US"/>
           </a:p>
@@ -14524,7 +14494,7 @@
           <a:p>
             <a:fld id="{409C03EA-EBEA-774A-A9C2-2F5C075C6624}" type="datetime1">
               <a:rPr lang="en-US" smtClean="0"/>
-              <a:t>1/29/17</a:t>
+              <a:t>2/9/17</a:t>
             </a:fld>
             <a:endParaRPr lang="en-US"/>
           </a:p>
@@ -14972,7 +14942,7 @@
           <a:p>
             <a:fld id="{850336B0-1B44-E043-B90F-1E46DEA6D99B}" type="datetime1">
               <a:rPr lang="en-US" smtClean="0"/>
-              <a:t>1/29/17</a:t>
+              <a:t>2/9/17</a:t>
             </a:fld>
             <a:endParaRPr lang="en-US"/>
           </a:p>
@@ -15473,7 +15443,7 @@
           <a:p>
             <a:fld id="{C02416D2-6EA0-724E-B170-FC432DDCCC3B}" type="datetime1">
               <a:rPr lang="en-US" smtClean="0"/>
-              <a:t>1/29/17</a:t>
+              <a:t>2/9/17</a:t>
             </a:fld>
             <a:endParaRPr lang="en-US"/>
           </a:p>
@@ -15667,7 +15637,7 @@
           <a:p>
             <a:fld id="{4446E74C-583F-A84F-8965-6176242FF534}" type="datetime1">
               <a:rPr lang="en-US" smtClean="0"/>
-              <a:t>1/29/17</a:t>
+              <a:t>2/9/17</a:t>
             </a:fld>
             <a:endParaRPr lang="en-US"/>
           </a:p>
@@ -15973,7 +15943,7 @@
           <a:p>
             <a:fld id="{94803B0E-F55E-E540-A35C-8A3098319EB6}" type="datetime1">
               <a:rPr lang="en-US" smtClean="0"/>
-              <a:t>1/30/17</a:t>
+              <a:t>2/9/17</a:t>
             </a:fld>
             <a:endParaRPr lang="en-US"/>
           </a:p>
@@ -16153,6 +16123,197 @@
       </p:par>
     </p:tnLst>
   </p:timing>
+</p:sld>
+</file>
+
+<file path=ppt/slides/slide33.xml><?xml version="1.0" encoding="utf-8"?>
+<p:sld xmlns:a="http://schemas.openxmlformats.org/drawingml/2006/main" xmlns:r="http://schemas.openxmlformats.org/officeDocument/2006/relationships" xmlns:p="http://schemas.openxmlformats.org/presentationml/2006/main">
+  <p:cSld>
+    <p:spTree>
+      <p:nvGrpSpPr>
+        <p:cNvPr id="1" name=""/>
+        <p:cNvGrpSpPr/>
+        <p:nvPr/>
+      </p:nvGrpSpPr>
+      <p:grpSpPr>
+        <a:xfrm>
+          <a:off x="0" y="0"/>
+          <a:ext cx="0" cy="0"/>
+          <a:chOff x="0" y="0"/>
+          <a:chExt cx="0" cy="0"/>
+        </a:xfrm>
+      </p:grpSpPr>
+      <p:sp>
+        <p:nvSpPr>
+          <p:cNvPr id="2" name="Title 1"/>
+          <p:cNvSpPr>
+            <a:spLocks noGrp="1"/>
+          </p:cNvSpPr>
+          <p:nvPr>
+            <p:ph type="title"/>
+          </p:nvPr>
+        </p:nvSpPr>
+        <p:spPr/>
+        <p:txBody>
+          <a:bodyPr/>
+          <a:lstStyle/>
+          <a:p>
+            <a:r>
+              <a:rPr lang="en-US" dirty="0" smtClean="0"/>
+              <a:t>Acknowledgements</a:t>
+            </a:r>
+            <a:endParaRPr lang="en-US" dirty="0"/>
+          </a:p>
+        </p:txBody>
+      </p:sp>
+      <p:sp>
+        <p:nvSpPr>
+          <p:cNvPr id="3" name="Content Placeholder 2"/>
+          <p:cNvSpPr>
+            <a:spLocks noGrp="1"/>
+          </p:cNvSpPr>
+          <p:nvPr>
+            <p:ph idx="1"/>
+          </p:nvPr>
+        </p:nvSpPr>
+        <p:spPr/>
+        <p:txBody>
+          <a:bodyPr/>
+          <a:lstStyle/>
+          <a:p>
+            <a:r>
+              <a:rPr lang="en-US" dirty="0" smtClean="0"/>
+              <a:t>These slides are adapted from the following sources:</a:t>
+            </a:r>
+          </a:p>
+          <a:p>
+            <a:pPr lvl="1"/>
+            <a:r>
+              <a:rPr lang="en-US" dirty="0" err="1" smtClean="0"/>
+              <a:t>Silberschatz</a:t>
+            </a:r>
+            <a:r>
+              <a:rPr lang="en-US" dirty="0" smtClean="0"/>
+              <a:t>, Galvin, &amp; Gagne, </a:t>
+            </a:r>
+            <a:r>
+              <a:rPr lang="en-US" i="1" dirty="0" smtClean="0"/>
+              <a:t>Operating Systems Concepts</a:t>
+            </a:r>
+            <a:r>
+              <a:rPr lang="en-US" dirty="0" smtClean="0"/>
+              <a:t>, 9</a:t>
+            </a:r>
+            <a:r>
+              <a:rPr lang="en-US" baseline="30000" dirty="0" smtClean="0"/>
+              <a:t>th</a:t>
+            </a:r>
+            <a:r>
+              <a:rPr lang="en-US" dirty="0" smtClean="0"/>
+              <a:t> edition</a:t>
+            </a:r>
+          </a:p>
+          <a:p>
+            <a:pPr lvl="1"/>
+            <a:r>
+              <a:rPr lang="en-US" dirty="0" smtClean="0"/>
+              <a:t>Chen &amp; </a:t>
+            </a:r>
+            <a:r>
+              <a:rPr lang="en-US" dirty="0" err="1" smtClean="0"/>
+              <a:t>Madhyastha</a:t>
+            </a:r>
+            <a:r>
+              <a:rPr lang="en-US" dirty="0" smtClean="0"/>
+              <a:t>, EECS 482 lecture notes, University of Michigan, Fall 2016</a:t>
+            </a:r>
+            <a:endParaRPr lang="en-US" dirty="0"/>
+          </a:p>
+        </p:txBody>
+      </p:sp>
+      <p:sp>
+        <p:nvSpPr>
+          <p:cNvPr id="4" name="Date Placeholder 3"/>
+          <p:cNvSpPr>
+            <a:spLocks noGrp="1"/>
+          </p:cNvSpPr>
+          <p:nvPr>
+            <p:ph type="dt" sz="half" idx="10"/>
+          </p:nvPr>
+        </p:nvSpPr>
+        <p:spPr/>
+        <p:txBody>
+          <a:bodyPr/>
+          <a:lstStyle/>
+          <a:p>
+            <a:fld id="{2BD1A3CB-CAD6-FB4B-9A5A-696854FE92B6}" type="datetime1">
+              <a:rPr lang="en-US" smtClean="0"/>
+              <a:t>2/9/17</a:t>
+            </a:fld>
+            <a:endParaRPr lang="en-US"/>
+          </a:p>
+        </p:txBody>
+      </p:sp>
+      <p:sp>
+        <p:nvSpPr>
+          <p:cNvPr id="5" name="Footer Placeholder 4"/>
+          <p:cNvSpPr>
+            <a:spLocks noGrp="1"/>
+          </p:cNvSpPr>
+          <p:nvPr>
+            <p:ph type="ftr" sz="quarter" idx="11"/>
+          </p:nvPr>
+        </p:nvSpPr>
+        <p:spPr/>
+        <p:txBody>
+          <a:bodyPr/>
+          <a:lstStyle/>
+          <a:p>
+            <a:pPr>
+              <a:defRPr/>
+            </a:pPr>
+            <a:r>
+              <a:rPr lang="en-US" altLang="en-US" smtClean="0"/>
+              <a:t>Operating Systems: Lecture 1</a:t>
+            </a:r>
+            <a:endParaRPr lang="en-US" altLang="en-US"/>
+          </a:p>
+        </p:txBody>
+      </p:sp>
+      <p:sp>
+        <p:nvSpPr>
+          <p:cNvPr id="6" name="Slide Number Placeholder 5"/>
+          <p:cNvSpPr>
+            <a:spLocks noGrp="1"/>
+          </p:cNvSpPr>
+          <p:nvPr>
+            <p:ph type="sldNum" sz="quarter" idx="12"/>
+          </p:nvPr>
+        </p:nvSpPr>
+        <p:spPr/>
+        <p:txBody>
+          <a:bodyPr/>
+          <a:lstStyle/>
+          <a:p>
+            <a:fld id="{2907D84A-D9E1-964C-B1EF-5C5C24A64F29}" type="slidenum">
+              <a:rPr lang="en-US" smtClean="0"/>
+              <a:pPr/>
+              <a:t>33</a:t>
+            </a:fld>
+            <a:endParaRPr lang="en-US"/>
+          </a:p>
+        </p:txBody>
+      </p:sp>
+    </p:spTree>
+    <p:extLst>
+      <p:ext uri="{BB962C8B-B14F-4D97-AF65-F5344CB8AC3E}">
+        <p14:creationId xmlns:p14="http://schemas.microsoft.com/office/powerpoint/2010/main" val="155555981"/>
+      </p:ext>
+    </p:extLst>
+  </p:cSld>
+  <p:clrMapOvr>
+    <a:masterClrMapping/>
+  </p:clrMapOvr>
 </p:sld>
 </file>
 
@@ -16500,7 +16661,7 @@
           <a:p>
             <a:fld id="{0C37C08B-4D02-0544-9BB7-3AE227035134}" type="datetime1">
               <a:rPr lang="en-US" smtClean="0"/>
-              <a:t>1/29/17</a:t>
+              <a:t>2/9/17</a:t>
             </a:fld>
             <a:endParaRPr lang="en-US"/>
           </a:p>
@@ -16618,11 +16779,7 @@
             </a:r>
             <a:r>
               <a:rPr lang="en-US" dirty="0" smtClean="0"/>
-              <a:t> </a:t>
-            </a:r>
-            <a:r>
-              <a:rPr lang="en-US" dirty="0" smtClean="0"/>
-              <a:t>Communication</a:t>
+              <a:t> Communication</a:t>
             </a:r>
             <a:endParaRPr lang="en-US" dirty="0"/>
           </a:p>
@@ -16655,23 +16812,14 @@
             <a:pPr lvl="1"/>
             <a:r>
               <a:rPr lang="en-US" dirty="0" smtClean="0"/>
-              <a:t>Information sharing (i.e</a:t>
-            </a:r>
+              <a:t>Information sharing (i.e., shared files)</a:t>
+            </a:r>
+          </a:p>
+          <a:p>
+            <a:pPr lvl="1"/>
             <a:r>
               <a:rPr lang="en-US" dirty="0" smtClean="0"/>
-              <a:t>., shared files)</a:t>
-            </a:r>
-            <a:endParaRPr lang="en-US" dirty="0" smtClean="0"/>
-          </a:p>
-          <a:p>
-            <a:pPr lvl="1"/>
-            <a:r>
-              <a:rPr lang="en-US" dirty="0" smtClean="0"/>
-              <a:t>Computation </a:t>
-            </a:r>
-            <a:r>
-              <a:rPr lang="en-US" dirty="0" smtClean="0"/>
-              <a:t>speedup (if </a:t>
+              <a:t>Computation speedup (if </a:t>
             </a:r>
             <a:r>
               <a:rPr lang="en-US" dirty="0" err="1" smtClean="0"/>
@@ -16681,7 +16829,6 @@
               <a:rPr lang="en-US" dirty="0" smtClean="0"/>
               <a:t> can run in parallel)</a:t>
             </a:r>
-            <a:endParaRPr lang="en-US" dirty="0" smtClean="0"/>
           </a:p>
           <a:p>
             <a:pPr lvl="1"/>
@@ -16689,7 +16836,6 @@
               <a:rPr lang="en-US" dirty="0" smtClean="0"/>
               <a:t>Modularity (divide up program/system)</a:t>
             </a:r>
-            <a:endParaRPr lang="en-US" dirty="0" smtClean="0"/>
           </a:p>
           <a:p>
             <a:pPr lvl="1"/>
@@ -16701,11 +16847,7 @@
           <a:p>
             <a:r>
               <a:rPr lang="en-US" dirty="0" smtClean="0"/>
-              <a:t>Cooperating processes </a:t>
-            </a:r>
-            <a:r>
-              <a:rPr lang="en-US" dirty="0" smtClean="0"/>
-              <a:t>need 1 of 2 forms of </a:t>
+              <a:t>Cooperating processes need 1 of 2 forms of </a:t>
             </a:r>
             <a:r>
               <a:rPr lang="en-US" b="1" dirty="0" err="1" smtClean="0">
@@ -16721,39 +16863,18 @@
                   <a:srgbClr val="0000FF"/>
                 </a:solidFill>
               </a:rPr>
-              <a:t> communication (IPC</a:t>
-            </a:r>
+              <a:t> communication (IPC)</a:t>
+            </a:r>
+          </a:p>
+          <a:p>
+            <a:pPr lvl="1"/>
             <a:r>
               <a:rPr lang="en-US" b="1" dirty="0" smtClean="0">
                 <a:solidFill>
                   <a:srgbClr val="0000FF"/>
                 </a:solidFill>
               </a:rPr>
-              <a:t>)</a:t>
-            </a:r>
-            <a:endParaRPr lang="en-US" b="1" dirty="0" smtClean="0">
-              <a:solidFill>
-                <a:srgbClr val="0000FF"/>
-              </a:solidFill>
-            </a:endParaRPr>
-          </a:p>
-          <a:p>
-            <a:pPr lvl="1"/>
-            <a:r>
-              <a:rPr lang="en-US" b="1" dirty="0" smtClean="0">
-                <a:solidFill>
-                  <a:srgbClr val="0000FF"/>
-                </a:solidFill>
-              </a:rPr>
-              <a:t>Shared </a:t>
-            </a:r>
-            <a:r>
-              <a:rPr lang="en-US" b="1" dirty="0" smtClean="0">
-                <a:solidFill>
-                  <a:srgbClr val="0000FF"/>
-                </a:solidFill>
-              </a:rPr>
-              <a:t>memory</a:t>
+              <a:t>Shared memory</a:t>
             </a:r>
           </a:p>
           <a:p>
@@ -16790,7 +16911,7 @@
           <a:p>
             <a:fld id="{12ED2201-AFC2-014E-AC79-BC57ED887495}" type="datetime1">
               <a:rPr lang="en-US" smtClean="0"/>
-              <a:t>1/29/17</a:t>
+              <a:t>2/9/17</a:t>
             </a:fld>
             <a:endParaRPr lang="en-US"/>
           </a:p>
@@ -16893,11 +17014,7 @@
           <a:p>
             <a:r>
               <a:rPr lang="en-US" dirty="0" smtClean="0"/>
-              <a:t>Review: IPC </a:t>
-            </a:r>
-            <a:r>
-              <a:rPr lang="en-US" dirty="0" smtClean="0"/>
-              <a:t>Models </a:t>
+              <a:t>Review: IPC Models </a:t>
             </a:r>
             <a:endParaRPr lang="en-US" dirty="0"/>
           </a:p>
@@ -17077,7 +17194,7 @@
           <a:p>
             <a:fld id="{6DCB4785-59D9-5642-A537-95F90D640736}" type="datetime1">
               <a:rPr lang="en-US" smtClean="0"/>
-              <a:t>1/29/17</a:t>
+              <a:t>2/9/17</a:t>
             </a:fld>
             <a:endParaRPr lang="en-US"/>
           </a:p>
@@ -17361,7 +17478,7 @@
           <a:p>
             <a:fld id="{E5927806-BB60-F045-AD4B-5F6893A782B7}" type="datetime1">
               <a:rPr lang="en-US" smtClean="0"/>
-              <a:t>1/29/17</a:t>
+              <a:t>2/9/17</a:t>
             </a:fld>
             <a:endParaRPr lang="en-US"/>
           </a:p>
@@ -17630,7 +17747,7 @@
           <a:p>
             <a:fld id="{4B31A56A-9D82-1E4A-8A96-8D4F599D7A90}" type="datetime1">
               <a:rPr lang="en-US" smtClean="0"/>
-              <a:t>1/29/17</a:t>
+              <a:t>2/9/17</a:t>
             </a:fld>
             <a:endParaRPr lang="en-US"/>
           </a:p>
@@ -17742,19 +17859,7 @@
               <a:rPr lang="en-US" dirty="0" smtClean="0">
                 <a:ea typeface="MS PGothic" charset="0"/>
               </a:rPr>
-              <a:t>POSIX </a:t>
-            </a:r>
-            <a:r>
-              <a:rPr lang="en-US" dirty="0" smtClean="0">
-                <a:ea typeface="MS PGothic" charset="0"/>
-              </a:rPr>
-              <a:t>shared memory p</a:t>
-            </a:r>
-            <a:r>
-              <a:rPr lang="en-US" dirty="0" smtClean="0">
-                <a:ea typeface="MS PGothic" charset="0"/>
-              </a:rPr>
-              <a:t>roducer</a:t>
+              <a:t>POSIX shared memory producer</a:t>
             </a:r>
             <a:endParaRPr lang="en-US" dirty="0">
               <a:ea typeface="MS PGothic" charset="0"/>
@@ -17931,7 +18036,7 @@
           <a:p>
             <a:fld id="{0EC84F2B-66F8-454A-A682-7117A80AA467}" type="datetime1">
               <a:rPr lang="en-US" smtClean="0"/>
-              <a:t>1/29/17</a:t>
+              <a:t>2/9/17</a:t>
             </a:fld>
             <a:endParaRPr lang="en-US"/>
           </a:p>
